--- a/5/docs/Design Spec - Next Comparison.pptx
+++ b/5/docs/Design Spec - Next Comparison.pptx
@@ -115,6 +115,11 @@
       </a:defRPr>
     </a:lvl9pPr>
   </p:defaultTextStyle>
+  <p:extLst>
+    <p:ext uri="{EFAFB233-063F-42B5-8137-9DF3F51BA10A}">
+      <p15:sldGuideLst xmlns:p15="http://schemas.microsoft.com/office/powerpoint/2012/main"/>
+    </p:ext>
+  </p:extLst>
 </p:presentation>
 </file>
 
@@ -12079,8 +12084,8 @@
         </p:nvSpPr>
         <p:spPr>
           <a:xfrm>
-            <a:off x="3931923" y="4833673"/>
-            <a:ext cx="466794" cy="707886"/>
+            <a:off x="3931922" y="4833673"/>
+            <a:ext cx="466795" cy="707886"/>
           </a:xfrm>
           <a:prstGeom prst="rect">
             <a:avLst/>
@@ -12098,7 +12103,7 @@
               <a:rPr lang="en-US" altLang="zh-TW" sz="4000" dirty="0">
                 <a:latin typeface="Consolas" panose="020B0609020204030204" pitchFamily="49" charset="0"/>
               </a:rPr>
-              <a:t>a</a:t>
+              <a:t>b</a:t>
             </a:r>
             <a:endParaRPr lang="zh-TW" altLang="en-US" sz="4000" dirty="0">
               <a:latin typeface="Consolas" panose="020B0609020204030204" pitchFamily="49" charset="0"/>

--- a/5/docs/Design Spec - Next Comparison.pptx
+++ b/5/docs/Design Spec - Next Comparison.pptx
@@ -4675,6 +4675,7 @@
             <a:solidFill>
               <a:schemeClr val="accent6"/>
             </a:solidFill>
+            <a:prstDash val="sysDot"/>
           </a:ln>
         </p:spPr>
         <p:style>
@@ -6899,7 +6900,7 @@
         <p:spPr>
           <a:xfrm>
             <a:off x="4545717" y="4833673"/>
-            <a:ext cx="466794" cy="707886"/>
+            <a:ext cx="466795" cy="707886"/>
           </a:xfrm>
           <a:prstGeom prst="rect">
             <a:avLst/>
@@ -6915,23 +6916,11 @@
             <a:pPr algn="ctr"/>
             <a:r>
               <a:rPr lang="en-US" altLang="zh-TW" sz="4000" dirty="0">
-                <a:solidFill>
-                  <a:schemeClr val="tx1">
-                    <a:lumMod val="50000"/>
-                    <a:lumOff val="50000"/>
-                  </a:schemeClr>
-                </a:solidFill>
                 <a:latin typeface="Consolas" panose="020B0609020204030204" pitchFamily="49" charset="0"/>
               </a:rPr>
-              <a:t>?</a:t>
+              <a:t>b</a:t>
             </a:r>
             <a:endParaRPr lang="zh-TW" altLang="en-US" sz="4000" dirty="0">
-              <a:solidFill>
-                <a:schemeClr val="tx1">
-                  <a:lumMod val="50000"/>
-                  <a:lumOff val="50000"/>
-                </a:schemeClr>
-              </a:solidFill>
               <a:latin typeface="Consolas" panose="020B0609020204030204" pitchFamily="49" charset="0"/>
             </a:endParaRPr>
           </a:p>
@@ -11763,6 +11752,7 @@
             <a:solidFill>
               <a:schemeClr val="accent6"/>
             </a:solidFill>
+            <a:prstDash val="sysDot"/>
           </a:ln>
         </p:spPr>
         <p:style>
